--- a/CUAI_DAT1 .pptx
+++ b/CUAI_DAT1 .pptx
@@ -7463,6 +7463,36 @@
           </a:prstGeom>
         </p:spPr>
       </p:pic>
+      <p:pic>
+        <p:nvPicPr>
+          <p:cNvPr id="16" name="그림 15">
+            <a:extLst>
+              <a:ext uri="{FF2B5EF4-FFF2-40B4-BE49-F238E27FC236}">
+                <a16:creationId xmlns:a16="http://schemas.microsoft.com/office/drawing/2014/main" id="{73A970D3-5101-0C93-12CB-CC1D4989F8B8}"/>
+              </a:ext>
+            </a:extLst>
+          </p:cNvPr>
+          <p:cNvPicPr>
+            <a:picLocks noChangeAspect="1"/>
+          </p:cNvPicPr>
+          <p:nvPr/>
+        </p:nvPicPr>
+        <p:blipFill>
+          <a:blip r:embed="rId5"/>
+          <a:stretch>
+            <a:fillRect/>
+          </a:stretch>
+        </p:blipFill>
+        <p:spPr>
+          <a:xfrm>
+            <a:off x="3727328" y="2314517"/>
+            <a:ext cx="4737343" cy="2228965"/>
+          </a:xfrm>
+          <a:prstGeom prst="rect">
+            <a:avLst/>
+          </a:prstGeom>
+        </p:spPr>
+      </p:pic>
     </p:spTree>
     <p:extLst>
       <p:ext uri="{BB962C8B-B14F-4D97-AF65-F5344CB8AC3E}">
@@ -8096,7 +8126,7 @@
         <p:spPr>
           <a:xfrm>
             <a:off x="2400020" y="4709035"/>
-            <a:ext cx="2840842" cy="1631216"/>
+            <a:ext cx="2412840" cy="1631216"/>
           </a:xfrm>
           <a:prstGeom prst="rect">
             <a:avLst/>
@@ -8109,19 +8139,6 @@
           </a:bodyPr>
           <a:lstStyle/>
           <a:p>
-            <a:pPr marL="342900" indent="-342900">
-              <a:buFont typeface="Arial" panose="020B0604020202020204" pitchFamily="34" charset="0"/>
-              <a:buChar char="•"/>
-            </a:pPr>
-            <a:r>
-              <a:rPr lang="en-US" altLang="ko-KR" sz="2000" dirty="0" err="1">
-                <a:solidFill>
-                  <a:srgbClr val="000000"/>
-                </a:solidFill>
-                <a:latin typeface="Helvetica Neue"/>
-              </a:rPr>
-              <a:t>Location_yop_mean</a:t>
-            </a:r>
             <a:endParaRPr lang="en-US" altLang="ko-KR" sz="2000" dirty="0">
               <a:solidFill>
                 <a:srgbClr val="000000"/>
@@ -8586,7 +8603,7 @@
         <p:spPr>
           <a:xfrm>
             <a:off x="6530152" y="802566"/>
-            <a:ext cx="5198859" cy="4278094"/>
+            <a:ext cx="5134739" cy="3847207"/>
           </a:xfrm>
           <a:prstGeom prst="rect">
             <a:avLst/>
@@ -8599,19 +8616,6 @@
           </a:bodyPr>
           <a:lstStyle/>
           <a:p>
-            <a:pPr marL="342900" indent="-342900">
-              <a:buFont typeface="Arial" panose="020B0604020202020204" pitchFamily="34" charset="0"/>
-              <a:buChar char="•"/>
-            </a:pPr>
-            <a:r>
-              <a:rPr lang="en-US" altLang="ko-KR" sz="2000" dirty="0" err="1">
-                <a:solidFill>
-                  <a:srgbClr val="000000"/>
-                </a:solidFill>
-                <a:latin typeface="Helvetica Neue"/>
-              </a:rPr>
-              <a:t>Location_yop_mean</a:t>
-            </a:r>
             <a:endParaRPr lang="en-US" altLang="ko-KR" sz="2000" dirty="0">
               <a:solidFill>
                 <a:srgbClr val="000000"/>
@@ -8751,95 +8755,11 @@
               </a:rPr>
               <a:t>catboost_regressor</a:t>
             </a:r>
-            <a:endParaRPr lang="en-US" altLang="ko-KR" sz="1800" b="0" i="0" u="none" strike="noStrike" dirty="0">
+            <a:endParaRPr lang="en-US" altLang="ko-KR" dirty="0">
               <a:solidFill>
                 <a:srgbClr val="595959"/>
               </a:solidFill>
-              <a:effectLst/>
               <a:latin typeface="Arial" panose="020B0604020202020204" pitchFamily="34" charset="0"/>
-            </a:endParaRPr>
-          </a:p>
-          <a:p>
-            <a:pPr rtl="0">
-              <a:spcBef>
-                <a:spcPts val="0"/>
-              </a:spcBef>
-              <a:spcAft>
-                <a:spcPts val="1200"/>
-              </a:spcAft>
-            </a:pPr>
-            <a:r>
-              <a:rPr lang="en-US" altLang="ko-KR" sz="1800" b="0" i="0" u="none" strike="noStrike" dirty="0">
-                <a:solidFill>
-                  <a:srgbClr val="595959"/>
-                </a:solidFill>
-                <a:effectLst/>
-                <a:latin typeface="Arial" panose="020B0604020202020204" pitchFamily="34" charset="0"/>
-              </a:rPr>
-              <a:t>location-</a:t>
-            </a:r>
-            <a:r>
-              <a:rPr lang="en-US" altLang="ko-KR" sz="1800" b="0" i="0" u="none" strike="noStrike" dirty="0" err="1">
-                <a:solidFill>
-                  <a:srgbClr val="595959"/>
-                </a:solidFill>
-                <a:effectLst/>
-                <a:latin typeface="Arial" panose="020B0604020202020204" pitchFamily="34" charset="0"/>
-              </a:rPr>
-              <a:t>age_cat</a:t>
-            </a:r>
-            <a:r>
-              <a:rPr lang="en-US" altLang="ko-KR" sz="1800" b="0" i="0" u="none" strike="noStrike" dirty="0">
-                <a:solidFill>
-                  <a:srgbClr val="595959"/>
-                </a:solidFill>
-                <a:effectLst/>
-                <a:latin typeface="Arial" panose="020B0604020202020204" pitchFamily="34" charset="0"/>
-              </a:rPr>
-              <a:t>, location-</a:t>
-            </a:r>
-            <a:r>
-              <a:rPr lang="en-US" altLang="ko-KR" sz="1800" b="0" i="0" u="none" strike="noStrike" dirty="0" err="1">
-                <a:solidFill>
-                  <a:srgbClr val="595959"/>
-                </a:solidFill>
-                <a:effectLst/>
-                <a:latin typeface="Arial" panose="020B0604020202020204" pitchFamily="34" charset="0"/>
-              </a:rPr>
-              <a:t>yop</a:t>
-            </a:r>
-            <a:r>
-              <a:rPr lang="en-US" altLang="ko-KR" sz="1800" b="0" i="0" u="none" strike="noStrike" dirty="0">
-                <a:solidFill>
-                  <a:srgbClr val="595959"/>
-                </a:solidFill>
-                <a:effectLst/>
-                <a:latin typeface="Arial" panose="020B0604020202020204" pitchFamily="34" charset="0"/>
-              </a:rPr>
-              <a:t> </a:t>
-            </a:r>
-            <a:r>
-              <a:rPr lang="ko-KR" altLang="en-US" sz="1800" b="0" i="0" u="none" strike="noStrike" dirty="0">
-                <a:solidFill>
-                  <a:srgbClr val="595959"/>
-                </a:solidFill>
-                <a:effectLst/>
-                <a:latin typeface="Arial" panose="020B0604020202020204" pitchFamily="34" charset="0"/>
-              </a:rPr>
-              <a:t>추가</a:t>
-            </a:r>
-            <a:r>
-              <a:rPr lang="en-US" altLang="ko-KR" sz="1800" b="0" i="0" u="none" strike="noStrike" dirty="0">
-                <a:solidFill>
-                  <a:srgbClr val="595959"/>
-                </a:solidFill>
-                <a:effectLst/>
-                <a:latin typeface="Arial" panose="020B0604020202020204" pitchFamily="34" charset="0"/>
-              </a:rPr>
-              <a:t>: 3.647886803</a:t>
-            </a:r>
-            <a:endParaRPr lang="ko-KR" altLang="en-US" sz="2000" b="0" dirty="0">
-              <a:effectLst/>
             </a:endParaRPr>
           </a:p>
           <a:p>
@@ -9418,7 +9338,7 @@
         <p:spPr>
           <a:xfrm>
             <a:off x="2189767" y="1821138"/>
-            <a:ext cx="5198859" cy="4278094"/>
+            <a:ext cx="5134739" cy="3539430"/>
           </a:xfrm>
           <a:prstGeom prst="rect">
             <a:avLst/>
@@ -9442,27 +9362,6 @@
                 </a:solidFill>
                 <a:latin typeface="Helvetica Neue"/>
               </a:rPr>
-              <a:t>Location_yop_mean</a:t>
-            </a:r>
-            <a:endParaRPr lang="en-US" altLang="ko-KR" sz="2000" dirty="0">
-              <a:solidFill>
-                <a:srgbClr val="000000"/>
-              </a:solidFill>
-              <a:latin typeface="Helvetica Neue"/>
-            </a:endParaRPr>
-          </a:p>
-          <a:p>
-            <a:pPr marL="342900" indent="-342900">
-              <a:buFont typeface="Arial" panose="020B0604020202020204" pitchFamily="34" charset="0"/>
-              <a:buChar char="•"/>
-            </a:pPr>
-            <a:r>
-              <a:rPr lang="en-US" altLang="ko-KR" sz="2000" dirty="0" err="1">
-                <a:solidFill>
-                  <a:srgbClr val="000000"/>
-                </a:solidFill>
-                <a:latin typeface="Helvetica Neue"/>
-              </a:rPr>
               <a:t>Author_count</a:t>
             </a:r>
             <a:endParaRPr lang="en-US" altLang="ko-KR" sz="2000" dirty="0">
@@ -9583,95 +9482,11 @@
               </a:rPr>
               <a:t>catboost_regressor</a:t>
             </a:r>
-            <a:endParaRPr lang="en-US" altLang="ko-KR" sz="1800" b="0" i="0" u="none" strike="noStrike" dirty="0">
+            <a:endParaRPr lang="en-US" altLang="ko-KR" dirty="0">
               <a:solidFill>
                 <a:srgbClr val="595959"/>
               </a:solidFill>
-              <a:effectLst/>
               <a:latin typeface="Arial" panose="020B0604020202020204" pitchFamily="34" charset="0"/>
-            </a:endParaRPr>
-          </a:p>
-          <a:p>
-            <a:pPr rtl="0">
-              <a:spcBef>
-                <a:spcPts val="0"/>
-              </a:spcBef>
-              <a:spcAft>
-                <a:spcPts val="1200"/>
-              </a:spcAft>
-            </a:pPr>
-            <a:r>
-              <a:rPr lang="en-US" altLang="ko-KR" sz="1800" b="0" i="0" u="none" strike="noStrike" dirty="0">
-                <a:solidFill>
-                  <a:srgbClr val="595959"/>
-                </a:solidFill>
-                <a:effectLst/>
-                <a:latin typeface="Arial" panose="020B0604020202020204" pitchFamily="34" charset="0"/>
-              </a:rPr>
-              <a:t>location-</a:t>
-            </a:r>
-            <a:r>
-              <a:rPr lang="en-US" altLang="ko-KR" sz="1800" b="0" i="0" u="none" strike="noStrike" dirty="0" err="1">
-                <a:solidFill>
-                  <a:srgbClr val="595959"/>
-                </a:solidFill>
-                <a:effectLst/>
-                <a:latin typeface="Arial" panose="020B0604020202020204" pitchFamily="34" charset="0"/>
-              </a:rPr>
-              <a:t>age_cat</a:t>
-            </a:r>
-            <a:r>
-              <a:rPr lang="en-US" altLang="ko-KR" sz="1800" b="0" i="0" u="none" strike="noStrike" dirty="0">
-                <a:solidFill>
-                  <a:srgbClr val="595959"/>
-                </a:solidFill>
-                <a:effectLst/>
-                <a:latin typeface="Arial" panose="020B0604020202020204" pitchFamily="34" charset="0"/>
-              </a:rPr>
-              <a:t>, location-</a:t>
-            </a:r>
-            <a:r>
-              <a:rPr lang="en-US" altLang="ko-KR" sz="1800" b="0" i="0" u="none" strike="noStrike" dirty="0" err="1">
-                <a:solidFill>
-                  <a:srgbClr val="595959"/>
-                </a:solidFill>
-                <a:effectLst/>
-                <a:latin typeface="Arial" panose="020B0604020202020204" pitchFamily="34" charset="0"/>
-              </a:rPr>
-              <a:t>yop</a:t>
-            </a:r>
-            <a:r>
-              <a:rPr lang="en-US" altLang="ko-KR" sz="1800" b="0" i="0" u="none" strike="noStrike" dirty="0">
-                <a:solidFill>
-                  <a:srgbClr val="595959"/>
-                </a:solidFill>
-                <a:effectLst/>
-                <a:latin typeface="Arial" panose="020B0604020202020204" pitchFamily="34" charset="0"/>
-              </a:rPr>
-              <a:t> </a:t>
-            </a:r>
-            <a:r>
-              <a:rPr lang="ko-KR" altLang="en-US" sz="1800" b="0" i="0" u="none" strike="noStrike" dirty="0">
-                <a:solidFill>
-                  <a:srgbClr val="595959"/>
-                </a:solidFill>
-                <a:effectLst/>
-                <a:latin typeface="Arial" panose="020B0604020202020204" pitchFamily="34" charset="0"/>
-              </a:rPr>
-              <a:t>추가</a:t>
-            </a:r>
-            <a:r>
-              <a:rPr lang="en-US" altLang="ko-KR" sz="1800" b="0" i="0" u="none" strike="noStrike" dirty="0">
-                <a:solidFill>
-                  <a:srgbClr val="595959"/>
-                </a:solidFill>
-                <a:effectLst/>
-                <a:latin typeface="Arial" panose="020B0604020202020204" pitchFamily="34" charset="0"/>
-              </a:rPr>
-              <a:t>: 3.647886803</a:t>
-            </a:r>
-            <a:endParaRPr lang="ko-KR" altLang="en-US" sz="2000" b="0" dirty="0">
-              <a:effectLst/>
             </a:endParaRPr>
           </a:p>
           <a:p>

--- a/CUAI_DAT1 .pptx
+++ b/CUAI_DAT1 .pptx
@@ -4380,7 +4380,7 @@
         <p:spPr>
           <a:xfrm>
             <a:off x="7453443" y="4960982"/>
-            <a:ext cx="4637808" cy="1015663"/>
+            <a:ext cx="4766048" cy="1015663"/>
           </a:xfrm>
           <a:prstGeom prst="rect">
             <a:avLst/>
@@ -4465,13 +4465,13 @@
               <a:t>개의 </a:t>
             </a:r>
             <a:r>
-              <a:rPr lang="en-US" altLang="ko-KR" sz="2000" dirty="0" err="1">
+              <a:rPr lang="en-US" altLang="ko-KR" sz="2000" dirty="0">
                 <a:solidFill>
                   <a:srgbClr val="000000"/>
                 </a:solidFill>
                 <a:latin typeface="Helvetica Neue"/>
               </a:rPr>
-              <a:t>countr</a:t>
+              <a:t>country</a:t>
             </a:r>
             <a:r>
               <a:rPr lang="ko-KR" altLang="en-US" sz="2000" dirty="0">
@@ -7463,36 +7463,6 @@
           </a:prstGeom>
         </p:spPr>
       </p:pic>
-      <p:pic>
-        <p:nvPicPr>
-          <p:cNvPr id="16" name="그림 15">
-            <a:extLst>
-              <a:ext uri="{FF2B5EF4-FFF2-40B4-BE49-F238E27FC236}">
-                <a16:creationId xmlns:a16="http://schemas.microsoft.com/office/drawing/2014/main" id="{73A970D3-5101-0C93-12CB-CC1D4989F8B8}"/>
-              </a:ext>
-            </a:extLst>
-          </p:cNvPr>
-          <p:cNvPicPr>
-            <a:picLocks noChangeAspect="1"/>
-          </p:cNvPicPr>
-          <p:nvPr/>
-        </p:nvPicPr>
-        <p:blipFill>
-          <a:blip r:embed="rId5"/>
-          <a:stretch>
-            <a:fillRect/>
-          </a:stretch>
-        </p:blipFill>
-        <p:spPr>
-          <a:xfrm>
-            <a:off x="3727328" y="2314517"/>
-            <a:ext cx="4737343" cy="2228965"/>
-          </a:xfrm>
-          <a:prstGeom prst="rect">
-            <a:avLst/>
-          </a:prstGeom>
-        </p:spPr>
-      </p:pic>
     </p:spTree>
     <p:extLst>
       <p:ext uri="{BB962C8B-B14F-4D97-AF65-F5344CB8AC3E}">
@@ -10157,6 +10127,153 @@
             </a:r>
             <a:endParaRPr lang="ko-KR" altLang="en-US" b="0" dirty="0">
               <a:effectLst/>
+            </a:endParaRPr>
+          </a:p>
+        </p:txBody>
+      </p:sp>
+      <p:sp>
+        <p:nvSpPr>
+          <p:cNvPr id="14" name="TextBox 13">
+            <a:extLst>
+              <a:ext uri="{FF2B5EF4-FFF2-40B4-BE49-F238E27FC236}">
+                <a16:creationId xmlns:a16="http://schemas.microsoft.com/office/drawing/2014/main" id="{456EFFDA-A544-1464-366D-8728BADC913E}"/>
+              </a:ext>
+            </a:extLst>
+          </p:cNvPr>
+          <p:cNvSpPr txBox="1"/>
+          <p:nvPr/>
+        </p:nvSpPr>
+        <p:spPr>
+          <a:xfrm>
+            <a:off x="6096000" y="1162635"/>
+            <a:ext cx="5602816" cy="784830"/>
+          </a:xfrm>
+          <a:prstGeom prst="rect">
+            <a:avLst/>
+          </a:prstGeom>
+          <a:noFill/>
+        </p:spPr>
+        <p:txBody>
+          <a:bodyPr wrap="none" rtlCol="0">
+            <a:spAutoFit/>
+          </a:bodyPr>
+          <a:lstStyle/>
+          <a:p>
+            <a:r>
+              <a:rPr lang="en-US" altLang="ko-KR" sz="1500" dirty="0" err="1">
+                <a:solidFill>
+                  <a:schemeClr val="accent1">
+                    <a:lumMod val="75000"/>
+                  </a:schemeClr>
+                </a:solidFill>
+                <a:latin typeface="Helvetica Neue"/>
+              </a:rPr>
+              <a:t>Catboost_regressor</a:t>
+            </a:r>
+            <a:r>
+              <a:rPr lang="en-US" altLang="ko-KR" sz="1500" dirty="0">
+                <a:solidFill>
+                  <a:schemeClr val="accent1">
+                    <a:lumMod val="75000"/>
+                  </a:schemeClr>
+                </a:solidFill>
+                <a:latin typeface="Helvetica Neue"/>
+              </a:rPr>
+              <a:t> </a:t>
+            </a:r>
+            <a:r>
+              <a:rPr lang="ko-KR" altLang="en-US" sz="1500" dirty="0">
+                <a:solidFill>
+                  <a:schemeClr val="accent1">
+                    <a:lumMod val="75000"/>
+                  </a:schemeClr>
+                </a:solidFill>
+                <a:latin typeface="Helvetica Neue"/>
+              </a:rPr>
+              <a:t>모델에</a:t>
+            </a:r>
+            <a:endParaRPr lang="en-US" altLang="ko-KR" sz="1500" dirty="0">
+              <a:solidFill>
+                <a:schemeClr val="accent1">
+                  <a:lumMod val="75000"/>
+                </a:schemeClr>
+              </a:solidFill>
+              <a:latin typeface="Helvetica Neue"/>
+            </a:endParaRPr>
+          </a:p>
+          <a:p>
+            <a:r>
+              <a:rPr lang="en-US" altLang="ko-KR" sz="1500" dirty="0" err="1">
+                <a:solidFill>
+                  <a:schemeClr val="accent1">
+                    <a:lumMod val="75000"/>
+                  </a:schemeClr>
+                </a:solidFill>
+                <a:latin typeface="Helvetica Neue"/>
+              </a:rPr>
+              <a:t>Cat_features</a:t>
+            </a:r>
+            <a:r>
+              <a:rPr lang="en-US" altLang="ko-KR" sz="1500" dirty="0">
+                <a:solidFill>
+                  <a:schemeClr val="accent1">
+                    <a:lumMod val="75000"/>
+                  </a:schemeClr>
+                </a:solidFill>
+                <a:latin typeface="Helvetica Neue"/>
+              </a:rPr>
+              <a:t> </a:t>
+            </a:r>
+            <a:r>
+              <a:rPr lang="ko-KR" altLang="en-US" sz="1500" dirty="0">
+                <a:solidFill>
+                  <a:schemeClr val="accent1">
+                    <a:lumMod val="75000"/>
+                  </a:schemeClr>
+                </a:solidFill>
+                <a:latin typeface="Helvetica Neue"/>
+              </a:rPr>
+              <a:t>에 카테고리형 </a:t>
+            </a:r>
+            <a:r>
+              <a:rPr lang="ko-KR" altLang="en-US" sz="1500" dirty="0" err="1">
+                <a:solidFill>
+                  <a:schemeClr val="accent1">
+                    <a:lumMod val="75000"/>
+                  </a:schemeClr>
+                </a:solidFill>
+                <a:latin typeface="Helvetica Neue"/>
+              </a:rPr>
+              <a:t>피쳐를</a:t>
+            </a:r>
+            <a:r>
+              <a:rPr lang="ko-KR" altLang="en-US" sz="1500" dirty="0">
+                <a:solidFill>
+                  <a:schemeClr val="accent1">
+                    <a:lumMod val="75000"/>
+                  </a:schemeClr>
+                </a:solidFill>
+                <a:latin typeface="Helvetica Neue"/>
+              </a:rPr>
+              <a:t> 지정하니 성능이 크게 향상되었음</a:t>
+            </a:r>
+            <a:endParaRPr lang="en-US" altLang="ko-KR" sz="1500" dirty="0">
+              <a:solidFill>
+                <a:schemeClr val="accent1">
+                  <a:lumMod val="75000"/>
+                </a:schemeClr>
+              </a:solidFill>
+              <a:latin typeface="Helvetica Neue"/>
+            </a:endParaRPr>
+          </a:p>
+          <a:p>
+            <a:endParaRPr lang="en-US" altLang="ko-KR" sz="1500" dirty="0">
+              <a:solidFill>
+                <a:schemeClr val="accent1">
+                  <a:lumMod val="75000"/>
+                </a:schemeClr>
+              </a:solidFill>
+              <a:latin typeface="Helvetica Neue"/>
             </a:endParaRPr>
           </a:p>
         </p:txBody>
